--- a/Tableau_one.pptx
+++ b/Tableau_one.pptx
@@ -1,20 +1,26 @@
 
 <file path=ppt/presentation.xml><?xml version="1.0" encoding="utf-8"?>
-<p:presentation xmlns:a="http://schemas.openxmlformats.org/drawingml/2006/main" xmlns:r="http://schemas.openxmlformats.org/officeDocument/2006/relationships" xmlns:p="http://schemas.openxmlformats.org/presentationml/2006/main" saveSubsetFonts="1">
+<p:presentation xmlns:a="http://schemas.openxmlformats.org/drawingml/2006/main" xmlns:r="http://schemas.openxmlformats.org/officeDocument/2006/relationships" xmlns:mc="http://schemas.openxmlformats.org/markup-compatibility/2006" xmlns:mv="urn:schemas-microsoft-com:mac:vml" xmlns:p="http://schemas.openxmlformats.org/presentationml/2006/main" xmlns:c="http://schemas.openxmlformats.org/drawingml/2006/chart" xmlns:dgm="http://schemas.openxmlformats.org/drawingml/2006/diagram" xmlns:o="urn:schemas-microsoft-com:office:office" xmlns:v="urn:schemas-microsoft-com:vml" xmlns:pvml="urn:schemas-microsoft-com:office:powerpoint" xmlns:com="http://schemas.openxmlformats.org/drawingml/2006/compatibility" xmlns:p14="http://schemas.microsoft.com/office/powerpoint/2010/main" xmlns:p15="http://schemas.microsoft.com/office/powerpoint/2012/main" xmlns:ahyp="http://schemas.microsoft.com/office/drawing/2018/hyperlinkcolor" autoCompressPictures="0" strictFirstAndLastChars="0" saveSubsetFonts="1">
   <p:sldMasterIdLst>
-    <p:sldMasterId id="2147483648" r:id="rId1"/>
+    <p:sldMasterId id="2147483648" r:id="rId3"/>
   </p:sldMasterIdLst>
+  <p:notesMasterIdLst>
+    <p:notesMasterId r:id="rId4"/>
+  </p:notesMasterIdLst>
   <p:sldIdLst>
-    <p:sldId id="256" r:id="rId2"/>
+    <p:sldId id="256" r:id="rId5"/>
+    <p:sldId id="257" r:id="rId6"/>
+    <p:sldId id="258" r:id="rId7"/>
+    <p:sldId id="259" r:id="rId8"/>
   </p:sldIdLst>
-  <p:sldSz cx="12192000" cy="6858000"/>
+  <p:sldSz cy="6858000" cx="12192000"/>
   <p:notesSz cx="6858000" cy="9144000"/>
   <p:defaultTextStyle>
-    <a:defPPr>
+    <a:defPPr lvl="0">
       <a:defRPr lang="en-US"/>
     </a:defPPr>
-    <a:lvl1pPr marL="0" algn="l" defTabSz="914400" rtl="0" eaLnBrk="1" latinLnBrk="0" hangingPunct="1">
-      <a:defRPr sz="1800" kern="1200">
+    <a:lvl1pPr defTabSz="914400" eaLnBrk="1" hangingPunct="1" latinLnBrk="0" lvl="0" marL="0" rtl="0" algn="l">
+      <a:defRPr kern="1200" sz="1800">
         <a:solidFill>
           <a:schemeClr val="tx1"/>
         </a:solidFill>
@@ -23,8 +29,8 @@
         <a:cs typeface="+mn-cs"/>
       </a:defRPr>
     </a:lvl1pPr>
-    <a:lvl2pPr marL="457200" algn="l" defTabSz="914400" rtl="0" eaLnBrk="1" latinLnBrk="0" hangingPunct="1">
-      <a:defRPr sz="1800" kern="1200">
+    <a:lvl2pPr defTabSz="914400" eaLnBrk="1" hangingPunct="1" latinLnBrk="0" lvl="1" marL="457200" rtl="0" algn="l">
+      <a:defRPr kern="1200" sz="1800">
         <a:solidFill>
           <a:schemeClr val="tx1"/>
         </a:solidFill>
@@ -33,8 +39,8 @@
         <a:cs typeface="+mn-cs"/>
       </a:defRPr>
     </a:lvl2pPr>
-    <a:lvl3pPr marL="914400" algn="l" defTabSz="914400" rtl="0" eaLnBrk="1" latinLnBrk="0" hangingPunct="1">
-      <a:defRPr sz="1800" kern="1200">
+    <a:lvl3pPr defTabSz="914400" eaLnBrk="1" hangingPunct="1" latinLnBrk="0" lvl="2" marL="914400" rtl="0" algn="l">
+      <a:defRPr kern="1200" sz="1800">
         <a:solidFill>
           <a:schemeClr val="tx1"/>
         </a:solidFill>
@@ -43,8 +49,8 @@
         <a:cs typeface="+mn-cs"/>
       </a:defRPr>
     </a:lvl3pPr>
-    <a:lvl4pPr marL="1371600" algn="l" defTabSz="914400" rtl="0" eaLnBrk="1" latinLnBrk="0" hangingPunct="1">
-      <a:defRPr sz="1800" kern="1200">
+    <a:lvl4pPr defTabSz="914400" eaLnBrk="1" hangingPunct="1" latinLnBrk="0" lvl="3" marL="1371600" rtl="0" algn="l">
+      <a:defRPr kern="1200" sz="1800">
         <a:solidFill>
           <a:schemeClr val="tx1"/>
         </a:solidFill>
@@ -53,8 +59,8 @@
         <a:cs typeface="+mn-cs"/>
       </a:defRPr>
     </a:lvl4pPr>
-    <a:lvl5pPr marL="1828800" algn="l" defTabSz="914400" rtl="0" eaLnBrk="1" latinLnBrk="0" hangingPunct="1">
-      <a:defRPr sz="1800" kern="1200">
+    <a:lvl5pPr defTabSz="914400" eaLnBrk="1" hangingPunct="1" latinLnBrk="0" lvl="4" marL="1828800" rtl="0" algn="l">
+      <a:defRPr kern="1200" sz="1800">
         <a:solidFill>
           <a:schemeClr val="tx1"/>
         </a:solidFill>
@@ -63,8 +69,8 @@
         <a:cs typeface="+mn-cs"/>
       </a:defRPr>
     </a:lvl5pPr>
-    <a:lvl6pPr marL="2286000" algn="l" defTabSz="914400" rtl="0" eaLnBrk="1" latinLnBrk="0" hangingPunct="1">
-      <a:defRPr sz="1800" kern="1200">
+    <a:lvl6pPr defTabSz="914400" eaLnBrk="1" hangingPunct="1" latinLnBrk="0" lvl="5" marL="2286000" rtl="0" algn="l">
+      <a:defRPr kern="1200" sz="1800">
         <a:solidFill>
           <a:schemeClr val="tx1"/>
         </a:solidFill>
@@ -73,8 +79,8 @@
         <a:cs typeface="+mn-cs"/>
       </a:defRPr>
     </a:lvl6pPr>
-    <a:lvl7pPr marL="2743200" algn="l" defTabSz="914400" rtl="0" eaLnBrk="1" latinLnBrk="0" hangingPunct="1">
-      <a:defRPr sz="1800" kern="1200">
+    <a:lvl7pPr defTabSz="914400" eaLnBrk="1" hangingPunct="1" latinLnBrk="0" lvl="6" marL="2743200" rtl="0" algn="l">
+      <a:defRPr kern="1200" sz="1800">
         <a:solidFill>
           <a:schemeClr val="tx1"/>
         </a:solidFill>
@@ -83,8 +89,8 @@
         <a:cs typeface="+mn-cs"/>
       </a:defRPr>
     </a:lvl7pPr>
-    <a:lvl8pPr marL="3200400" algn="l" defTabSz="914400" rtl="0" eaLnBrk="1" latinLnBrk="0" hangingPunct="1">
-      <a:defRPr sz="1800" kern="1200">
+    <a:lvl8pPr defTabSz="914400" eaLnBrk="1" hangingPunct="1" latinLnBrk="0" lvl="7" marL="3200400" rtl="0" algn="l">
+      <a:defRPr kern="1200" sz="1800">
         <a:solidFill>
           <a:schemeClr val="tx1"/>
         </a:solidFill>
@@ -93,8 +99,8 @@
         <a:cs typeface="+mn-cs"/>
       </a:defRPr>
     </a:lvl8pPr>
-    <a:lvl9pPr marL="3657600" algn="l" defTabSz="914400" rtl="0" eaLnBrk="1" latinLnBrk="0" hangingPunct="1">
-      <a:defRPr sz="1800" kern="1200">
+    <a:lvl9pPr defTabSz="914400" eaLnBrk="1" hangingPunct="1" latinLnBrk="0" lvl="8" marL="3657600" rtl="0" algn="l">
+      <a:defRPr kern="1200" sz="1800">
         <a:solidFill>
           <a:schemeClr val="tx1"/>
         </a:solidFill>
@@ -105,6 +111,549 @@
     </a:lvl9pPr>
   </p:defaultTextStyle>
 </p:presentation>
+</file>
+
+<file path=ppt/presProps1.xml><?xml version="1.0" encoding="utf-8"?>
+<p:presentationPr xmlns:a="http://schemas.openxmlformats.org/drawingml/2006/main" xmlns:r="http://schemas.openxmlformats.org/officeDocument/2006/relationships" xmlns:mc="http://schemas.openxmlformats.org/markup-compatibility/2006" xmlns:mv="urn:schemas-microsoft-com:mac:vml" xmlns:p="http://schemas.openxmlformats.org/presentationml/2006/main" xmlns:c="http://schemas.openxmlformats.org/drawingml/2006/chart" xmlns:dgm="http://schemas.openxmlformats.org/drawingml/2006/diagram" xmlns:o="urn:schemas-microsoft-com:office:office" xmlns:v="urn:schemas-microsoft-com:vml" xmlns:pvml="urn:schemas-microsoft-com:office:powerpoint" xmlns:com="http://schemas.openxmlformats.org/drawingml/2006/compatibility" xmlns:p14="http://schemas.microsoft.com/office/powerpoint/2010/main" xmlns:p15="http://schemas.microsoft.com/office/powerpoint/2012/main" xmlns:ahyp="http://schemas.microsoft.com/office/drawing/2018/hyperlinkcolor"/>
+</file>
+
+<file path=ppt/notesMasters/notesMaster1.xml><?xml version="1.0" encoding="utf-8"?>
+<p:notesMaster xmlns:a="http://schemas.openxmlformats.org/drawingml/2006/main" xmlns:r="http://schemas.openxmlformats.org/officeDocument/2006/relationships" xmlns:mc="http://schemas.openxmlformats.org/markup-compatibility/2006" xmlns:mv="urn:schemas-microsoft-com:mac:vml" xmlns:p="http://schemas.openxmlformats.org/presentationml/2006/main" xmlns:c="http://schemas.openxmlformats.org/drawingml/2006/chart" xmlns:dgm="http://schemas.openxmlformats.org/drawingml/2006/diagram" xmlns:o="urn:schemas-microsoft-com:office:office" xmlns:v="urn:schemas-microsoft-com:vml" xmlns:pvml="urn:schemas-microsoft-com:office:powerpoint" xmlns:com="http://schemas.openxmlformats.org/drawingml/2006/compatibility" xmlns:p14="http://schemas.microsoft.com/office/powerpoint/2010/main" xmlns:p15="http://schemas.microsoft.com/office/powerpoint/2012/main" xmlns:ahyp="http://schemas.microsoft.com/office/drawing/2018/hyperlinkcolor">
+  <p:cSld>
+    <p:spTree>
+      <p:nvGrpSpPr>
+        <p:cNvPr id="14" name="Shape 14"/>
+        <p:cNvGrpSpPr/>
+        <p:nvPr/>
+      </p:nvGrpSpPr>
+      <p:grpSpPr>
+        <a:xfrm>
+          <a:off x="0" y="0"/>
+          <a:ext cx="0" cy="0"/>
+          <a:chOff x="0" y="0"/>
+          <a:chExt cx="0" cy="0"/>
+        </a:xfrm>
+      </p:grpSpPr>
+      <p:sp>
+        <p:nvSpPr>
+          <p:cNvPr id="15" name="Google Shape;15;n"/>
+          <p:cNvSpPr/>
+          <p:nvPr>
+            <p:ph idx="2" type="sldImg"/>
+          </p:nvPr>
+        </p:nvSpPr>
+        <p:spPr>
+          <a:xfrm>
+            <a:off x="1143225" y="685800"/>
+            <a:ext cx="4572300" cy="3429000"/>
+          </a:xfrm>
+          <a:custGeom>
+            <a:rect b="b" l="l" r="r" t="t"/>
+            <a:pathLst>
+              <a:path extrusionOk="0" h="120000" w="120000">
+                <a:moveTo>
+                  <a:pt x="0" y="0"/>
+                </a:moveTo>
+                <a:lnTo>
+                  <a:pt x="120000" y="0"/>
+                </a:lnTo>
+                <a:lnTo>
+                  <a:pt x="120000" y="120000"/>
+                </a:lnTo>
+                <a:lnTo>
+                  <a:pt x="0" y="120000"/>
+                </a:lnTo>
+                <a:close/>
+              </a:path>
+            </a:pathLst>
+          </a:custGeom>
+          <a:noFill/>
+          <a:ln cap="flat" cmpd="sng" w="9525">
+            <a:solidFill>
+              <a:srgbClr val="000000"/>
+            </a:solidFill>
+            <a:prstDash val="solid"/>
+            <a:round/>
+            <a:headEnd len="sm" w="sm" type="none"/>
+            <a:tailEnd len="sm" w="sm" type="none"/>
+          </a:ln>
+        </p:spPr>
+      </p:sp>
+      <p:sp>
+        <p:nvSpPr>
+          <p:cNvPr id="16" name="Google Shape;16;n"/>
+          <p:cNvSpPr txBox="1"/>
+          <p:nvPr>
+            <p:ph idx="1" type="body"/>
+          </p:nvPr>
+        </p:nvSpPr>
+        <p:spPr>
+          <a:xfrm>
+            <a:off x="685800" y="4343400"/>
+            <a:ext cx="5486400" cy="4114800"/>
+          </a:xfrm>
+          <a:prstGeom prst="rect">
+            <a:avLst/>
+          </a:prstGeom>
+          <a:noFill/>
+          <a:ln>
+            <a:noFill/>
+          </a:ln>
+        </p:spPr>
+        <p:txBody>
+          <a:bodyPr anchorCtr="0" anchor="t" bIns="91425" lIns="91425" spcFirstLastPara="1" rIns="91425" wrap="square" tIns="91425">
+            <a:noAutofit/>
+          </a:bodyPr>
+          <a:lstStyle>
+            <a:lvl1pPr indent="-298450" lvl="0" marL="457200" rtl="0">
+              <a:spcBef>
+                <a:spcPts val="0"/>
+              </a:spcBef>
+              <a:spcAft>
+                <a:spcPts val="0"/>
+              </a:spcAft>
+              <a:buSzPts val="1100"/>
+              <a:buChar char="●"/>
+              <a:defRPr sz="1100"/>
+            </a:lvl1pPr>
+            <a:lvl2pPr indent="-298450" lvl="1" marL="914400" rtl="0">
+              <a:spcBef>
+                <a:spcPts val="0"/>
+              </a:spcBef>
+              <a:spcAft>
+                <a:spcPts val="0"/>
+              </a:spcAft>
+              <a:buSzPts val="1100"/>
+              <a:buChar char="○"/>
+              <a:defRPr sz="1100"/>
+            </a:lvl2pPr>
+            <a:lvl3pPr indent="-298450" lvl="2" marL="1371600" rtl="0">
+              <a:spcBef>
+                <a:spcPts val="0"/>
+              </a:spcBef>
+              <a:spcAft>
+                <a:spcPts val="0"/>
+              </a:spcAft>
+              <a:buSzPts val="1100"/>
+              <a:buChar char="■"/>
+              <a:defRPr sz="1100"/>
+            </a:lvl3pPr>
+            <a:lvl4pPr indent="-298450" lvl="3" marL="1828800" rtl="0">
+              <a:spcBef>
+                <a:spcPts val="0"/>
+              </a:spcBef>
+              <a:spcAft>
+                <a:spcPts val="0"/>
+              </a:spcAft>
+              <a:buSzPts val="1100"/>
+              <a:buChar char="●"/>
+              <a:defRPr sz="1100"/>
+            </a:lvl4pPr>
+            <a:lvl5pPr indent="-298450" lvl="4" marL="2286000" rtl="0">
+              <a:spcBef>
+                <a:spcPts val="0"/>
+              </a:spcBef>
+              <a:spcAft>
+                <a:spcPts val="0"/>
+              </a:spcAft>
+              <a:buSzPts val="1100"/>
+              <a:buChar char="○"/>
+              <a:defRPr sz="1100"/>
+            </a:lvl5pPr>
+            <a:lvl6pPr indent="-298450" lvl="5" marL="2743200" rtl="0">
+              <a:spcBef>
+                <a:spcPts val="0"/>
+              </a:spcBef>
+              <a:spcAft>
+                <a:spcPts val="0"/>
+              </a:spcAft>
+              <a:buSzPts val="1100"/>
+              <a:buChar char="■"/>
+              <a:defRPr sz="1100"/>
+            </a:lvl6pPr>
+            <a:lvl7pPr indent="-298450" lvl="6" marL="3200400" rtl="0">
+              <a:spcBef>
+                <a:spcPts val="0"/>
+              </a:spcBef>
+              <a:spcAft>
+                <a:spcPts val="0"/>
+              </a:spcAft>
+              <a:buSzPts val="1100"/>
+              <a:buChar char="●"/>
+              <a:defRPr sz="1100"/>
+            </a:lvl7pPr>
+            <a:lvl8pPr indent="-298450" lvl="7" marL="3657600" rtl="0">
+              <a:spcBef>
+                <a:spcPts val="0"/>
+              </a:spcBef>
+              <a:spcAft>
+                <a:spcPts val="0"/>
+              </a:spcAft>
+              <a:buSzPts val="1100"/>
+              <a:buChar char="○"/>
+              <a:defRPr sz="1100"/>
+            </a:lvl8pPr>
+            <a:lvl9pPr indent="-298450" lvl="8" marL="4114800" rtl="0">
+              <a:spcBef>
+                <a:spcPts val="0"/>
+              </a:spcBef>
+              <a:spcAft>
+                <a:spcPts val="0"/>
+              </a:spcAft>
+              <a:buSzPts val="1100"/>
+              <a:buChar char="■"/>
+              <a:defRPr sz="1100"/>
+            </a:lvl9pPr>
+          </a:lstStyle>
+          <a:p/>
+        </p:txBody>
+      </p:sp>
+    </p:spTree>
+  </p:cSld>
+  <p:clrMap accent1="accent1" accent2="accent2" accent3="accent3" accent4="accent4" accent5="accent5" accent6="accent6" bg1="lt1" bg2="dk2" tx1="dk1" tx2="lt2" folHlink="folHlink" hlink="hlink"/>
+  <p:notesStyle>
+    <a:defPPr lvl="0" marR="0" rtl="0" algn="l">
+      <a:lnSpc>
+        <a:spcPct val="100000"/>
+      </a:lnSpc>
+      <a:spcBef>
+        <a:spcPts val="0"/>
+      </a:spcBef>
+      <a:spcAft>
+        <a:spcPts val="0"/>
+      </a:spcAft>
+    </a:defPPr>
+    <a:lvl1pPr lvl="0" marR="0" rtl="0" algn="l">
+      <a:lnSpc>
+        <a:spcPct val="100000"/>
+      </a:lnSpc>
+      <a:spcBef>
+        <a:spcPts val="0"/>
+      </a:spcBef>
+      <a:spcAft>
+        <a:spcPts val="0"/>
+      </a:spcAft>
+      <a:buClr>
+        <a:srgbClr val="000000"/>
+      </a:buClr>
+      <a:buFont typeface="Arial"/>
+      <a:defRPr b="0" i="0" sz="1400" u="none" cap="none" strike="noStrike">
+        <a:solidFill>
+          <a:srgbClr val="000000"/>
+        </a:solidFill>
+        <a:latin typeface="Arial"/>
+        <a:ea typeface="Arial"/>
+        <a:cs typeface="Arial"/>
+        <a:sym typeface="Arial"/>
+      </a:defRPr>
+    </a:lvl1pPr>
+    <a:lvl2pPr lvl="1" marR="0" rtl="0" algn="l">
+      <a:lnSpc>
+        <a:spcPct val="100000"/>
+      </a:lnSpc>
+      <a:spcBef>
+        <a:spcPts val="0"/>
+      </a:spcBef>
+      <a:spcAft>
+        <a:spcPts val="0"/>
+      </a:spcAft>
+      <a:buClr>
+        <a:srgbClr val="000000"/>
+      </a:buClr>
+      <a:buFont typeface="Arial"/>
+      <a:defRPr b="0" i="0" sz="1400" u="none" cap="none" strike="noStrike">
+        <a:solidFill>
+          <a:srgbClr val="000000"/>
+        </a:solidFill>
+        <a:latin typeface="Arial"/>
+        <a:ea typeface="Arial"/>
+        <a:cs typeface="Arial"/>
+        <a:sym typeface="Arial"/>
+      </a:defRPr>
+    </a:lvl2pPr>
+    <a:lvl3pPr lvl="2" marR="0" rtl="0" algn="l">
+      <a:lnSpc>
+        <a:spcPct val="100000"/>
+      </a:lnSpc>
+      <a:spcBef>
+        <a:spcPts val="0"/>
+      </a:spcBef>
+      <a:spcAft>
+        <a:spcPts val="0"/>
+      </a:spcAft>
+      <a:buClr>
+        <a:srgbClr val="000000"/>
+      </a:buClr>
+      <a:buFont typeface="Arial"/>
+      <a:defRPr b="0" i="0" sz="1400" u="none" cap="none" strike="noStrike">
+        <a:solidFill>
+          <a:srgbClr val="000000"/>
+        </a:solidFill>
+        <a:latin typeface="Arial"/>
+        <a:ea typeface="Arial"/>
+        <a:cs typeface="Arial"/>
+        <a:sym typeface="Arial"/>
+      </a:defRPr>
+    </a:lvl3pPr>
+    <a:lvl4pPr lvl="3" marR="0" rtl="0" algn="l">
+      <a:lnSpc>
+        <a:spcPct val="100000"/>
+      </a:lnSpc>
+      <a:spcBef>
+        <a:spcPts val="0"/>
+      </a:spcBef>
+      <a:spcAft>
+        <a:spcPts val="0"/>
+      </a:spcAft>
+      <a:buClr>
+        <a:srgbClr val="000000"/>
+      </a:buClr>
+      <a:buFont typeface="Arial"/>
+      <a:defRPr b="0" i="0" sz="1400" u="none" cap="none" strike="noStrike">
+        <a:solidFill>
+          <a:srgbClr val="000000"/>
+        </a:solidFill>
+        <a:latin typeface="Arial"/>
+        <a:ea typeface="Arial"/>
+        <a:cs typeface="Arial"/>
+        <a:sym typeface="Arial"/>
+      </a:defRPr>
+    </a:lvl4pPr>
+    <a:lvl5pPr lvl="4" marR="0" rtl="0" algn="l">
+      <a:lnSpc>
+        <a:spcPct val="100000"/>
+      </a:lnSpc>
+      <a:spcBef>
+        <a:spcPts val="0"/>
+      </a:spcBef>
+      <a:spcAft>
+        <a:spcPts val="0"/>
+      </a:spcAft>
+      <a:buClr>
+        <a:srgbClr val="000000"/>
+      </a:buClr>
+      <a:buFont typeface="Arial"/>
+      <a:defRPr b="0" i="0" sz="1400" u="none" cap="none" strike="noStrike">
+        <a:solidFill>
+          <a:srgbClr val="000000"/>
+        </a:solidFill>
+        <a:latin typeface="Arial"/>
+        <a:ea typeface="Arial"/>
+        <a:cs typeface="Arial"/>
+        <a:sym typeface="Arial"/>
+      </a:defRPr>
+    </a:lvl5pPr>
+    <a:lvl6pPr lvl="5" marR="0" rtl="0" algn="l">
+      <a:lnSpc>
+        <a:spcPct val="100000"/>
+      </a:lnSpc>
+      <a:spcBef>
+        <a:spcPts val="0"/>
+      </a:spcBef>
+      <a:spcAft>
+        <a:spcPts val="0"/>
+      </a:spcAft>
+      <a:buClr>
+        <a:srgbClr val="000000"/>
+      </a:buClr>
+      <a:buFont typeface="Arial"/>
+      <a:defRPr b="0" i="0" sz="1400" u="none" cap="none" strike="noStrike">
+        <a:solidFill>
+          <a:srgbClr val="000000"/>
+        </a:solidFill>
+        <a:latin typeface="Arial"/>
+        <a:ea typeface="Arial"/>
+        <a:cs typeface="Arial"/>
+        <a:sym typeface="Arial"/>
+      </a:defRPr>
+    </a:lvl6pPr>
+    <a:lvl7pPr lvl="6" marR="0" rtl="0" algn="l">
+      <a:lnSpc>
+        <a:spcPct val="100000"/>
+      </a:lnSpc>
+      <a:spcBef>
+        <a:spcPts val="0"/>
+      </a:spcBef>
+      <a:spcAft>
+        <a:spcPts val="0"/>
+      </a:spcAft>
+      <a:buClr>
+        <a:srgbClr val="000000"/>
+      </a:buClr>
+      <a:buFont typeface="Arial"/>
+      <a:defRPr b="0" i="0" sz="1400" u="none" cap="none" strike="noStrike">
+        <a:solidFill>
+          <a:srgbClr val="000000"/>
+        </a:solidFill>
+        <a:latin typeface="Arial"/>
+        <a:ea typeface="Arial"/>
+        <a:cs typeface="Arial"/>
+        <a:sym typeface="Arial"/>
+      </a:defRPr>
+    </a:lvl7pPr>
+    <a:lvl8pPr lvl="7" marR="0" rtl="0" algn="l">
+      <a:lnSpc>
+        <a:spcPct val="100000"/>
+      </a:lnSpc>
+      <a:spcBef>
+        <a:spcPts val="0"/>
+      </a:spcBef>
+      <a:spcAft>
+        <a:spcPts val="0"/>
+      </a:spcAft>
+      <a:buClr>
+        <a:srgbClr val="000000"/>
+      </a:buClr>
+      <a:buFont typeface="Arial"/>
+      <a:defRPr b="0" i="0" sz="1400" u="none" cap="none" strike="noStrike">
+        <a:solidFill>
+          <a:srgbClr val="000000"/>
+        </a:solidFill>
+        <a:latin typeface="Arial"/>
+        <a:ea typeface="Arial"/>
+        <a:cs typeface="Arial"/>
+        <a:sym typeface="Arial"/>
+      </a:defRPr>
+    </a:lvl8pPr>
+    <a:lvl9pPr lvl="8" marR="0" rtl="0" algn="l">
+      <a:lnSpc>
+        <a:spcPct val="100000"/>
+      </a:lnSpc>
+      <a:spcBef>
+        <a:spcPts val="0"/>
+      </a:spcBef>
+      <a:spcAft>
+        <a:spcPts val="0"/>
+      </a:spcAft>
+      <a:buClr>
+        <a:srgbClr val="000000"/>
+      </a:buClr>
+      <a:buFont typeface="Arial"/>
+      <a:defRPr b="0" i="0" sz="1400" u="none" cap="none" strike="noStrike">
+        <a:solidFill>
+          <a:srgbClr val="000000"/>
+        </a:solidFill>
+        <a:latin typeface="Arial"/>
+        <a:ea typeface="Arial"/>
+        <a:cs typeface="Arial"/>
+        <a:sym typeface="Arial"/>
+      </a:defRPr>
+    </a:lvl9pPr>
+  </p:notesStyle>
+</p:notesMaster>
+</file>
+
+<file path=ppt/notesSlides/notesSlide1.xml><?xml version="1.0" encoding="utf-8"?>
+<p:notes xmlns:a="http://schemas.openxmlformats.org/drawingml/2006/main" xmlns:r="http://schemas.openxmlformats.org/officeDocument/2006/relationships" xmlns:mc="http://schemas.openxmlformats.org/markup-compatibility/2006" xmlns:mv="urn:schemas-microsoft-com:mac:vml" xmlns:p="http://schemas.openxmlformats.org/presentationml/2006/main" xmlns:c="http://schemas.openxmlformats.org/drawingml/2006/chart" xmlns:dgm="http://schemas.openxmlformats.org/drawingml/2006/diagram" xmlns:o="urn:schemas-microsoft-com:office:office" xmlns:v="urn:schemas-microsoft-com:vml" xmlns:pvml="urn:schemas-microsoft-com:office:powerpoint" xmlns:com="http://schemas.openxmlformats.org/drawingml/2006/compatibility" xmlns:p14="http://schemas.microsoft.com/office/powerpoint/2010/main" xmlns:p15="http://schemas.microsoft.com/office/powerpoint/2012/main" xmlns:ahyp="http://schemas.microsoft.com/office/drawing/2018/hyperlinkcolor" showMasterPhAnim="0" showMasterSp="0">
+  <p:cSld>
+    <p:spTree>
+      <p:nvGrpSpPr>
+        <p:cNvPr id="17" name="Shape 17"/>
+        <p:cNvGrpSpPr/>
+        <p:nvPr/>
+      </p:nvGrpSpPr>
+      <p:grpSpPr>
+        <a:xfrm>
+          <a:off x="0" y="0"/>
+          <a:ext cx="0" cy="0"/>
+          <a:chOff x="0" y="0"/>
+          <a:chExt cx="0" cy="0"/>
+        </a:xfrm>
+      </p:grpSpPr>
+      <p:sp>
+        <p:nvSpPr>
+          <p:cNvPr id="18" name="Google Shape;18;g6958a417f1f00a7b_3:notes"/>
+          <p:cNvSpPr/>
+          <p:nvPr>
+            <p:ph idx="2" type="sldImg"/>
+          </p:nvPr>
+        </p:nvSpPr>
+        <p:spPr>
+          <a:xfrm>
+            <a:off x="1143225" y="685800"/>
+            <a:ext cx="4572300" cy="3429000"/>
+          </a:xfrm>
+          <a:custGeom>
+            <a:rect b="b" l="l" r="r" t="t"/>
+            <a:pathLst>
+              <a:path extrusionOk="0" h="120000" w="120000">
+                <a:moveTo>
+                  <a:pt x="0" y="0"/>
+                </a:moveTo>
+                <a:lnTo>
+                  <a:pt x="120000" y="0"/>
+                </a:lnTo>
+                <a:lnTo>
+                  <a:pt x="120000" y="120000"/>
+                </a:lnTo>
+                <a:lnTo>
+                  <a:pt x="0" y="120000"/>
+                </a:lnTo>
+                <a:close/>
+              </a:path>
+            </a:pathLst>
+          </a:custGeom>
+          <a:noFill/>
+          <a:ln cap="flat" cmpd="sng" w="9525">
+            <a:solidFill>
+              <a:srgbClr val="000000"/>
+            </a:solidFill>
+            <a:prstDash val="solid"/>
+            <a:round/>
+            <a:headEnd len="sm" w="sm" type="none"/>
+            <a:tailEnd len="sm" w="sm" type="none"/>
+          </a:ln>
+        </p:spPr>
+      </p:sp>
+      <p:sp>
+        <p:nvSpPr>
+          <p:cNvPr id="19" name="Google Shape;19;g6958a417f1f00a7b_3:notes"/>
+          <p:cNvSpPr txBox="1"/>
+          <p:nvPr>
+            <p:ph idx="1" type="body"/>
+          </p:nvPr>
+        </p:nvSpPr>
+        <p:spPr>
+          <a:xfrm>
+            <a:off x="685800" y="4343400"/>
+            <a:ext cx="5486400" cy="4114800"/>
+          </a:xfrm>
+          <a:prstGeom prst="rect">
+            <a:avLst/>
+          </a:prstGeom>
+          <a:noFill/>
+          <a:ln>
+            <a:noFill/>
+          </a:ln>
+        </p:spPr>
+        <p:txBody>
+          <a:bodyPr anchorCtr="0" anchor="t" bIns="91425" lIns="91425" spcFirstLastPara="1" rIns="91425" wrap="square" tIns="91425">
+            <a:noAutofit/>
+          </a:bodyPr>
+          <a:lstStyle/>
+          <a:p>
+            <a:pPr indent="0" lvl="0" marL="0" rtl="0" algn="l">
+              <a:spcBef>
+                <a:spcPts val="0"/>
+              </a:spcBef>
+              <a:spcAft>
+                <a:spcPts val="0"/>
+              </a:spcAft>
+              <a:buNone/>
+            </a:pPr>
+            <a:r>
+              <a:t/>
+            </a:r>
+            <a:endParaRPr/>
+          </a:p>
+        </p:txBody>
+      </p:sp>
+    </p:spTree>
+  </p:cSld>
+  <p:clrMapOvr>
+    <a:masterClrMapping/>
+  </p:clrMapOvr>
+</p:notes>
 </file>
 
 <file path=ppt/slideLayouts/slideLayout1.xml><?xml version="1.0" encoding="utf-8"?>
@@ -254,7 +803,7 @@
           <a:p>
             <a:fld id="{6FB568BD-63F8-47A4-BDF2-84D28C725660}" type="datetimeFigureOut">
               <a:rPr lang="en-US" smtClean="0"/>
-              <a:t>7/26/2021</a:t>
+              <a:t>7/27/2021</a:t>
             </a:fld>
             <a:endParaRPr lang="en-US"/>
           </a:p>
@@ -452,7 +1001,7 @@
           <a:p>
             <a:fld id="{6FB568BD-63F8-47A4-BDF2-84D28C725660}" type="datetimeFigureOut">
               <a:rPr lang="en-US" smtClean="0"/>
-              <a:t>7/26/2021</a:t>
+              <a:t>7/27/2021</a:t>
             </a:fld>
             <a:endParaRPr lang="en-US"/>
           </a:p>
@@ -660,7 +1209,7 @@
           <a:p>
             <a:fld id="{6FB568BD-63F8-47A4-BDF2-84D28C725660}" type="datetimeFigureOut">
               <a:rPr lang="en-US" smtClean="0"/>
-              <a:t>7/26/2021</a:t>
+              <a:t>7/27/2021</a:t>
             </a:fld>
             <a:endParaRPr lang="en-US"/>
           </a:p>
@@ -858,7 +1407,7 @@
           <a:p>
             <a:fld id="{6FB568BD-63F8-47A4-BDF2-84D28C725660}" type="datetimeFigureOut">
               <a:rPr lang="en-US" smtClean="0"/>
-              <a:t>7/26/2021</a:t>
+              <a:t>7/27/2021</a:t>
             </a:fld>
             <a:endParaRPr lang="en-US"/>
           </a:p>
@@ -1133,7 +1682,7 @@
           <a:p>
             <a:fld id="{6FB568BD-63F8-47A4-BDF2-84D28C725660}" type="datetimeFigureOut">
               <a:rPr lang="en-US" smtClean="0"/>
-              <a:t>7/26/2021</a:t>
+              <a:t>7/27/2021</a:t>
             </a:fld>
             <a:endParaRPr lang="en-US"/>
           </a:p>
@@ -1398,7 +1947,7 @@
           <a:p>
             <a:fld id="{6FB568BD-63F8-47A4-BDF2-84D28C725660}" type="datetimeFigureOut">
               <a:rPr lang="en-US" smtClean="0"/>
-              <a:t>7/26/2021</a:t>
+              <a:t>7/27/2021</a:t>
             </a:fld>
             <a:endParaRPr lang="en-US"/>
           </a:p>
@@ -1810,7 +2359,7 @@
           <a:p>
             <a:fld id="{6FB568BD-63F8-47A4-BDF2-84D28C725660}" type="datetimeFigureOut">
               <a:rPr lang="en-US" smtClean="0"/>
-              <a:t>7/26/2021</a:t>
+              <a:t>7/27/2021</a:t>
             </a:fld>
             <a:endParaRPr lang="en-US"/>
           </a:p>
@@ -1951,7 +2500,7 @@
           <a:p>
             <a:fld id="{6FB568BD-63F8-47A4-BDF2-84D28C725660}" type="datetimeFigureOut">
               <a:rPr lang="en-US" smtClean="0"/>
-              <a:t>7/26/2021</a:t>
+              <a:t>7/27/2021</a:t>
             </a:fld>
             <a:endParaRPr lang="en-US"/>
           </a:p>
@@ -2064,7 +2613,7 @@
           <a:p>
             <a:fld id="{6FB568BD-63F8-47A4-BDF2-84D28C725660}" type="datetimeFigureOut">
               <a:rPr lang="en-US" smtClean="0"/>
-              <a:t>7/26/2021</a:t>
+              <a:t>7/27/2021</a:t>
             </a:fld>
             <a:endParaRPr lang="en-US"/>
           </a:p>
@@ -2375,7 +2924,7 @@
           <a:p>
             <a:fld id="{6FB568BD-63F8-47A4-BDF2-84D28C725660}" type="datetimeFigureOut">
               <a:rPr lang="en-US" smtClean="0"/>
-              <a:t>7/26/2021</a:t>
+              <a:t>7/27/2021</a:t>
             </a:fld>
             <a:endParaRPr lang="en-US"/>
           </a:p>
@@ -2663,7 +3212,7 @@
           <a:p>
             <a:fld id="{6FB568BD-63F8-47A4-BDF2-84D28C725660}" type="datetimeFigureOut">
               <a:rPr lang="en-US" smtClean="0"/>
-              <a:t>7/26/2021</a:t>
+              <a:t>7/27/2021</a:t>
             </a:fld>
             <a:endParaRPr lang="en-US"/>
           </a:p>
@@ -2904,7 +3453,7 @@
           <a:p>
             <a:fld id="{6FB568BD-63F8-47A4-BDF2-84D28C725660}" type="datetimeFigureOut">
               <a:rPr lang="en-US" smtClean="0"/>
-              <a:t>7/26/2021</a:t>
+              <a:t>7/27/2021</a:t>
             </a:fld>
             <a:endParaRPr lang="en-US"/>
           </a:p>
@@ -3321,53 +3870,101 @@
           <a:chExt cx="0" cy="0"/>
         </a:xfrm>
       </p:grpSpPr>
-      <p:sp>
-        <p:nvSpPr>
-          <p:cNvPr id="2" name="Title 1">
-            <a:extLst>
-              <a:ext uri="{FF2B5EF4-FFF2-40B4-BE49-F238E27FC236}">
-                <a16:creationId xmlns:a16="http://schemas.microsoft.com/office/drawing/2014/main" id="{8C87816E-9D97-4ECC-BE40-C1A1CDE9D137}"/>
-              </a:ext>
-            </a:extLst>
-          </p:cNvPr>
-          <p:cNvSpPr>
-            <a:spLocks noGrp="1"/>
-          </p:cNvSpPr>
-          <p:nvPr>
-            <p:ph type="ctrTitle"/>
-          </p:nvPr>
-        </p:nvSpPr>
-        <p:spPr/>
-        <p:txBody>
-          <a:bodyPr/>
+      <p:pic>
+        <p:nvPicPr>
+          <p:cNvPr id="5" name="Picture 4">
+            <a:extLst>
+              <a:ext uri="{FF2B5EF4-FFF2-40B4-BE49-F238E27FC236}">
+                <a16:creationId xmlns:a16="http://schemas.microsoft.com/office/drawing/2014/main" id="{DC9C56E1-15FB-4406-9A11-FB022DC13AA6}"/>
+              </a:ext>
+            </a:extLst>
+          </p:cNvPr>
+          <p:cNvPicPr>
+            <a:picLocks noChangeAspect="1"/>
+          </p:cNvPicPr>
+          <p:nvPr/>
+        </p:nvPicPr>
+        <p:blipFill>
+          <a:blip r:embed="rId2">
+            <a:extLst>
+              <a:ext uri="{28A0092B-C50C-407E-A947-70E740481C1C}">
+                <a14:useLocalDpi xmlns:a14="http://schemas.microsoft.com/office/drawing/2010/main" val="0"/>
+              </a:ext>
+            </a:extLst>
+          </a:blip>
+          <a:stretch>
+            <a:fillRect/>
+          </a:stretch>
+        </p:blipFill>
+        <p:spPr>
+          <a:xfrm>
+            <a:off x="0" y="1001918"/>
+            <a:ext cx="6182588" cy="5325218"/>
+          </a:xfrm>
+          <a:prstGeom prst="rect">
+            <a:avLst/>
+          </a:prstGeom>
+        </p:spPr>
+      </p:pic>
+      <p:sp>
+        <p:nvSpPr>
+          <p:cNvPr id="7" name="TextBox 6">
+            <a:extLst>
+              <a:ext uri="{FF2B5EF4-FFF2-40B4-BE49-F238E27FC236}">
+                <a16:creationId xmlns:a16="http://schemas.microsoft.com/office/drawing/2014/main" id="{80FFC56D-5015-4D0F-A428-0A530B01D774}"/>
+              </a:ext>
+            </a:extLst>
+          </p:cNvPr>
+          <p:cNvSpPr txBox="1"/>
+          <p:nvPr/>
+        </p:nvSpPr>
+        <p:spPr>
+          <a:xfrm>
+            <a:off x="6749716" y="1685896"/>
+            <a:ext cx="5149516" cy="3693319"/>
+          </a:xfrm>
+          <a:prstGeom prst="rect">
+            <a:avLst/>
+          </a:prstGeom>
+          <a:noFill/>
+        </p:spPr>
+        <p:txBody>
+          <a:bodyPr wrap="square" rtlCol="0">
+            <a:spAutoFit/>
+          </a:bodyPr>
           <a:lstStyle/>
           <a:p>
-            <a:endParaRPr lang="en-US"/>
-          </a:p>
-        </p:txBody>
-      </p:sp>
-      <p:sp>
-        <p:nvSpPr>
-          <p:cNvPr id="3" name="Subtitle 2">
-            <a:extLst>
-              <a:ext uri="{FF2B5EF4-FFF2-40B4-BE49-F238E27FC236}">
-                <a16:creationId xmlns:a16="http://schemas.microsoft.com/office/drawing/2014/main" id="{71110477-E5ED-4B9E-991A-F7BCDAB5B302}"/>
-              </a:ext>
-            </a:extLst>
-          </p:cNvPr>
-          <p:cNvSpPr>
-            <a:spLocks noGrp="1"/>
-          </p:cNvSpPr>
-          <p:nvPr>
-            <p:ph type="subTitle" idx="1"/>
-          </p:nvPr>
-        </p:nvSpPr>
-        <p:spPr/>
-        <p:txBody>
-          <a:bodyPr/>
-          <a:lstStyle/>
-          <a:p>
-            <a:endParaRPr lang="en-US"/>
+            <a:r>
+              <a:rPr lang="en-US" dirty="0"/>
+              <a:t>The majority of clients are women: 61% against 31 for men.</a:t>
+            </a:r>
+          </a:p>
+          <a:p>
+            <a:endParaRPr lang="en-US" dirty="0"/>
+          </a:p>
+          <a:p>
+            <a:r>
+              <a:rPr lang="en-US" dirty="0"/>
+              <a:t>For education, the secondary level has the highest percentage, 47%. It is followed by the Primary level which is 35%.</a:t>
+            </a:r>
+          </a:p>
+          <a:p>
+            <a:endParaRPr lang="en-US" dirty="0"/>
+          </a:p>
+          <a:p>
+            <a:r>
+              <a:rPr lang="en-US" dirty="0"/>
+              <a:t>More than half of the clients (53%) are divorced, while 46% are married.</a:t>
+            </a:r>
+          </a:p>
+          <a:p>
+            <a:endParaRPr lang="en-US" dirty="0"/>
+          </a:p>
+          <a:p>
+            <a:r>
+              <a:rPr lang="en-US" dirty="0"/>
+              <a:t>More than half of the clients (51%) are in a rental situation. 41% have a mortgage and only 8% own their home.</a:t>
+            </a:r>
           </a:p>
         </p:txBody>
       </p:sp>
@@ -3377,6 +3974,717 @@
         <p14:creationId xmlns:p14="http://schemas.microsoft.com/office/powerpoint/2010/main" val="2839367008"/>
       </p:ext>
     </p:extLst>
+  </p:cSld>
+  <p:clrMapOvr>
+    <a:masterClrMapping/>
+  </p:clrMapOvr>
+</p:sld>
+</file>
+
+<file path=ppt/slides/slide2.xml><?xml version="1.0" encoding="utf-8"?>
+<p:sld xmlns:a="http://schemas.openxmlformats.org/drawingml/2006/main" xmlns:r="http://schemas.openxmlformats.org/officeDocument/2006/relationships" xmlns:p="http://schemas.openxmlformats.org/presentationml/2006/main">
+  <p:cSld>
+    <p:spTree>
+      <p:nvGrpSpPr>
+        <p:cNvPr id="1" name=""/>
+        <p:cNvGrpSpPr/>
+        <p:nvPr/>
+      </p:nvGrpSpPr>
+      <p:grpSpPr>
+        <a:xfrm>
+          <a:off x="0" y="0"/>
+          <a:ext cx="0" cy="0"/>
+          <a:chOff x="0" y="0"/>
+          <a:chExt cx="0" cy="0"/>
+        </a:xfrm>
+      </p:grpSpPr>
+      <p:pic>
+        <p:nvPicPr>
+          <p:cNvPr id="3" name="Picture 2">
+            <a:extLst>
+              <a:ext uri="{FF2B5EF4-FFF2-40B4-BE49-F238E27FC236}">
+                <a16:creationId xmlns:a16="http://schemas.microsoft.com/office/drawing/2014/main" id="{12654E90-253A-4C2B-856B-A0CA3D3C4DDA}"/>
+              </a:ext>
+            </a:extLst>
+          </p:cNvPr>
+          <p:cNvPicPr>
+            <a:picLocks noChangeAspect="1"/>
+          </p:cNvPicPr>
+          <p:nvPr/>
+        </p:nvPicPr>
+        <p:blipFill>
+          <a:blip r:embed="rId2">
+            <a:extLst>
+              <a:ext uri="{28A0092B-C50C-407E-A947-70E740481C1C}">
+                <a14:useLocalDpi xmlns:a14="http://schemas.microsoft.com/office/drawing/2010/main" val="0"/>
+              </a:ext>
+            </a:extLst>
+          </a:blip>
+          <a:stretch>
+            <a:fillRect/>
+          </a:stretch>
+        </p:blipFill>
+        <p:spPr>
+          <a:xfrm>
+            <a:off x="0" y="249382"/>
+            <a:ext cx="6182588" cy="6359236"/>
+          </a:xfrm>
+          <a:prstGeom prst="rect">
+            <a:avLst/>
+          </a:prstGeom>
+        </p:spPr>
+      </p:pic>
+      <p:sp>
+        <p:nvSpPr>
+          <p:cNvPr id="4" name="TextBox 3">
+            <a:extLst>
+              <a:ext uri="{FF2B5EF4-FFF2-40B4-BE49-F238E27FC236}">
+                <a16:creationId xmlns:a16="http://schemas.microsoft.com/office/drawing/2014/main" id="{5AAF757E-16CC-4B7A-A021-3E4F0FB364A2}"/>
+              </a:ext>
+            </a:extLst>
+          </p:cNvPr>
+          <p:cNvSpPr txBox="1"/>
+          <p:nvPr/>
+        </p:nvSpPr>
+        <p:spPr>
+          <a:xfrm>
+            <a:off x="7062537" y="2550695"/>
+            <a:ext cx="4656221" cy="2031325"/>
+          </a:xfrm>
+          <a:prstGeom prst="rect">
+            <a:avLst/>
+          </a:prstGeom>
+          <a:noFill/>
+        </p:spPr>
+        <p:txBody>
+          <a:bodyPr wrap="square" rtlCol="0">
+            <a:spAutoFit/>
+          </a:bodyPr>
+          <a:lstStyle/>
+          <a:p>
+            <a:r>
+              <a:rPr lang="en-US"/>
+              <a:t>There are fewer and fewer high-risk clients.</a:t>
+            </a:r>
+          </a:p>
+          <a:p>
+            <a:endParaRPr lang="en-US"/>
+          </a:p>
+          <a:p>
+            <a:r>
+              <a:rPr lang="en-US"/>
+              <a:t>Most loans are for education (20%), medical care (18%) and 18% for business...</a:t>
+            </a:r>
+          </a:p>
+          <a:p>
+            <a:endParaRPr lang="en-US"/>
+          </a:p>
+          <a:p>
+            <a:r>
+              <a:rPr lang="en-US"/>
+              <a:t>80% of loans are for short term.</a:t>
+            </a:r>
+          </a:p>
+          <a:p>
+            <a:endParaRPr lang="en-US" dirty="0"/>
+          </a:p>
+        </p:txBody>
+      </p:sp>
+    </p:spTree>
+    <p:extLst>
+      <p:ext uri="{BB962C8B-B14F-4D97-AF65-F5344CB8AC3E}">
+        <p14:creationId xmlns:p14="http://schemas.microsoft.com/office/powerpoint/2010/main" val="1514723009"/>
+      </p:ext>
+    </p:extLst>
+  </p:cSld>
+  <p:clrMapOvr>
+    <a:masterClrMapping/>
+  </p:clrMapOvr>
+</p:sld>
+</file>
+
+<file path=ppt/slides/slide3.xml><?xml version="1.0" encoding="utf-8"?>
+<p:sld xmlns:a="http://schemas.openxmlformats.org/drawingml/2006/main" xmlns:r="http://schemas.openxmlformats.org/officeDocument/2006/relationships" xmlns:mc="http://schemas.openxmlformats.org/markup-compatibility/2006" xmlns:mv="urn:schemas-microsoft-com:mac:vml" xmlns:p="http://schemas.openxmlformats.org/presentationml/2006/main" xmlns:c="http://schemas.openxmlformats.org/drawingml/2006/chart" xmlns:dgm="http://schemas.openxmlformats.org/drawingml/2006/diagram" xmlns:o="urn:schemas-microsoft-com:office:office" xmlns:v="urn:schemas-microsoft-com:vml" xmlns:pvml="urn:schemas-microsoft-com:office:powerpoint" xmlns:com="http://schemas.openxmlformats.org/drawingml/2006/compatibility" xmlns:p14="http://schemas.microsoft.com/office/powerpoint/2010/main" xmlns:p15="http://schemas.microsoft.com/office/powerpoint/2012/main" xmlns:ahyp="http://schemas.microsoft.com/office/drawing/2018/hyperlinkcolor">
+  <p:cSld>
+    <p:spTree>
+      <p:nvGrpSpPr>
+        <p:cNvPr id="11" name="Shape 11"/>
+        <p:cNvGrpSpPr/>
+        <p:nvPr/>
+      </p:nvGrpSpPr>
+      <p:grpSpPr>
+        <a:xfrm>
+          <a:off x="0" y="0"/>
+          <a:ext cx="0" cy="0"/>
+          <a:chOff x="0" y="0"/>
+          <a:chExt cx="0" cy="0"/>
+        </a:xfrm>
+      </p:grpSpPr>
+      <p:pic>
+        <p:nvPicPr>
+          <p:cNvPr id="12" name="Google Shape;12;p1"/>
+          <p:cNvPicPr preferRelativeResize="0"/>
+          <p:nvPr/>
+        </p:nvPicPr>
+        <p:blipFill rotWithShape="1">
+          <a:blip r:embed="rId2">
+            <a:alphaModFix/>
+          </a:blip>
+          <a:srcRect b="0" l="0" r="0" t="0"/>
+          <a:stretch/>
+        </p:blipFill>
+        <p:spPr>
+          <a:xfrm>
+            <a:off x="192233" y="558573"/>
+            <a:ext cx="6182588" cy="5814518"/>
+          </a:xfrm>
+          <a:prstGeom prst="rect">
+            <a:avLst/>
+          </a:prstGeom>
+          <a:noFill/>
+          <a:ln>
+            <a:noFill/>
+          </a:ln>
+        </p:spPr>
+      </p:pic>
+      <p:sp>
+        <p:nvSpPr>
+          <p:cNvPr id="13" name="Google Shape;13;p1"/>
+          <p:cNvSpPr txBox="1"/>
+          <p:nvPr/>
+        </p:nvSpPr>
+        <p:spPr>
+          <a:xfrm>
+            <a:off x="6593305" y="1065175"/>
+            <a:ext cx="5209800" cy="4524300"/>
+          </a:xfrm>
+          <a:prstGeom prst="rect">
+            <a:avLst/>
+          </a:prstGeom>
+          <a:noFill/>
+          <a:ln>
+            <a:noFill/>
+          </a:ln>
+        </p:spPr>
+        <p:txBody>
+          <a:bodyPr anchorCtr="0" anchor="t" bIns="45700" lIns="91425" spcFirstLastPara="1" rIns="91425" wrap="square" tIns="45700">
+            <a:spAutoFit/>
+          </a:bodyPr>
+          <a:lstStyle/>
+          <a:p>
+            <a:pPr indent="0" lvl="0" marL="0" marR="0" rtl="0" algn="l">
+              <a:spcBef>
+                <a:spcPts val="0"/>
+              </a:spcBef>
+              <a:spcAft>
+                <a:spcPts val="0"/>
+              </a:spcAft>
+              <a:buNone/>
+            </a:pPr>
+            <a:r>
+              <a:rPr lang="en-US" sz="1800">
+                <a:solidFill>
+                  <a:schemeClr val="dk1"/>
+                </a:solidFill>
+                <a:latin typeface="Calibri"/>
+                <a:ea typeface="Calibri"/>
+                <a:cs typeface="Calibri"/>
+                <a:sym typeface="Calibri"/>
+              </a:rPr>
+              <a:t>78% of loans are repaid versus 22% that are charged off</a:t>
+            </a:r>
+            <a:endParaRPr/>
+          </a:p>
+          <a:p>
+            <a:pPr indent="0" lvl="0" marL="0" marR="0" rtl="0" algn="l">
+              <a:spcBef>
+                <a:spcPts val="0"/>
+              </a:spcBef>
+              <a:spcAft>
+                <a:spcPts val="0"/>
+              </a:spcAft>
+              <a:buNone/>
+            </a:pPr>
+            <a:r>
+              <a:t/>
+            </a:r>
+            <a:endParaRPr sz="1800">
+              <a:solidFill>
+                <a:schemeClr val="dk1"/>
+              </a:solidFill>
+              <a:latin typeface="Calibri"/>
+              <a:ea typeface="Calibri"/>
+              <a:cs typeface="Calibri"/>
+              <a:sym typeface="Calibri"/>
+            </a:endParaRPr>
+          </a:p>
+          <a:p>
+            <a:pPr indent="0" lvl="0" marL="0" marR="0" rtl="0" algn="l">
+              <a:spcBef>
+                <a:spcPts val="0"/>
+              </a:spcBef>
+              <a:spcAft>
+                <a:spcPts val="0"/>
+              </a:spcAft>
+              <a:buNone/>
+            </a:pPr>
+            <a:r>
+              <a:rPr lang="en-US" sz="1800">
+                <a:solidFill>
+                  <a:schemeClr val="dk1"/>
+                </a:solidFill>
+                <a:latin typeface="Calibri"/>
+                <a:ea typeface="Calibri"/>
+                <a:cs typeface="Calibri"/>
+                <a:sym typeface="Calibri"/>
+              </a:rPr>
+              <a:t>Homeowners are more likely to pay off their loans (93%), followed by those who have already taken out a mortgage (87%)</a:t>
+            </a:r>
+            <a:endParaRPr/>
+          </a:p>
+          <a:p>
+            <a:pPr indent="0" lvl="0" marL="0" marR="0" rtl="0" algn="l">
+              <a:spcBef>
+                <a:spcPts val="0"/>
+              </a:spcBef>
+              <a:spcAft>
+                <a:spcPts val="0"/>
+              </a:spcAft>
+              <a:buNone/>
+            </a:pPr>
+            <a:r>
+              <a:t/>
+            </a:r>
+            <a:endParaRPr sz="1800">
+              <a:solidFill>
+                <a:schemeClr val="dk1"/>
+              </a:solidFill>
+              <a:latin typeface="Calibri"/>
+              <a:ea typeface="Calibri"/>
+              <a:cs typeface="Calibri"/>
+              <a:sym typeface="Calibri"/>
+            </a:endParaRPr>
+          </a:p>
+          <a:p>
+            <a:pPr indent="0" lvl="0" marL="0" marR="0" rtl="0" algn="l">
+              <a:spcBef>
+                <a:spcPts val="0"/>
+              </a:spcBef>
+              <a:spcAft>
+                <a:spcPts val="0"/>
+              </a:spcAft>
+              <a:buNone/>
+            </a:pPr>
+            <a:r>
+              <a:rPr lang="en-US" sz="1800">
+                <a:solidFill>
+                  <a:schemeClr val="dk1"/>
+                </a:solidFill>
+                <a:latin typeface="Calibri"/>
+                <a:ea typeface="Calibri"/>
+                <a:cs typeface="Calibri"/>
+                <a:sym typeface="Calibri"/>
+              </a:rPr>
+              <a:t>The riskier the loan, the more likely it is to be charged-off, and therefore the less likely it is to be fully paid: 90% of low-risk loans are fully paid while 98% of high-risk loans are charged-off.</a:t>
+            </a:r>
+            <a:endParaRPr/>
+          </a:p>
+          <a:p>
+            <a:pPr indent="0" lvl="0" marL="0" marR="0" rtl="0" algn="l">
+              <a:spcBef>
+                <a:spcPts val="0"/>
+              </a:spcBef>
+              <a:spcAft>
+                <a:spcPts val="0"/>
+              </a:spcAft>
+              <a:buNone/>
+            </a:pPr>
+            <a:r>
+              <a:t/>
+            </a:r>
+            <a:endParaRPr sz="1800">
+              <a:solidFill>
+                <a:schemeClr val="dk1"/>
+              </a:solidFill>
+              <a:latin typeface="Calibri"/>
+              <a:ea typeface="Calibri"/>
+              <a:cs typeface="Calibri"/>
+              <a:sym typeface="Calibri"/>
+            </a:endParaRPr>
+          </a:p>
+          <a:p>
+            <a:pPr indent="0" lvl="0" marL="0" marR="0" rtl="0" algn="l">
+              <a:spcBef>
+                <a:spcPts val="0"/>
+              </a:spcBef>
+              <a:spcAft>
+                <a:spcPts val="0"/>
+              </a:spcAft>
+              <a:buNone/>
+            </a:pPr>
+            <a:r>
+              <a:rPr lang="en-US" sz="1800">
+                <a:solidFill>
+                  <a:schemeClr val="dk1"/>
+                </a:solidFill>
+                <a:latin typeface="Calibri"/>
+                <a:ea typeface="Calibri"/>
+                <a:cs typeface="Calibri"/>
+                <a:sym typeface="Calibri"/>
+              </a:rPr>
+              <a:t>Bachelors have the highest fully paid rate (79%)</a:t>
+            </a:r>
+            <a:endParaRPr/>
+          </a:p>
+          <a:p>
+            <a:pPr indent="0" lvl="0" marL="0" marR="0" rtl="0" algn="l">
+              <a:spcBef>
+                <a:spcPts val="0"/>
+              </a:spcBef>
+              <a:spcAft>
+                <a:spcPts val="0"/>
+              </a:spcAft>
+              <a:buNone/>
+            </a:pPr>
+            <a:r>
+              <a:t/>
+            </a:r>
+            <a:endParaRPr sz="1800">
+              <a:solidFill>
+                <a:schemeClr val="dk1"/>
+              </a:solidFill>
+              <a:latin typeface="Calibri"/>
+              <a:ea typeface="Calibri"/>
+              <a:cs typeface="Calibri"/>
+              <a:sym typeface="Calibri"/>
+            </a:endParaRPr>
+          </a:p>
+          <a:p>
+            <a:pPr indent="0" lvl="0" marL="0" marR="0" rtl="0" algn="l">
+              <a:spcBef>
+                <a:spcPts val="0"/>
+              </a:spcBef>
+              <a:spcAft>
+                <a:spcPts val="0"/>
+              </a:spcAft>
+              <a:buNone/>
+            </a:pPr>
+            <a:r>
+              <a:t/>
+            </a:r>
+            <a:endParaRPr sz="1800">
+              <a:solidFill>
+                <a:schemeClr val="dk1"/>
+              </a:solidFill>
+              <a:latin typeface="Calibri"/>
+              <a:ea typeface="Calibri"/>
+              <a:cs typeface="Calibri"/>
+              <a:sym typeface="Calibri"/>
+            </a:endParaRPr>
+          </a:p>
+          <a:p>
+            <a:pPr indent="0" lvl="0" marL="0" marR="0" rtl="0" algn="l">
+              <a:spcBef>
+                <a:spcPts val="0"/>
+              </a:spcBef>
+              <a:spcAft>
+                <a:spcPts val="0"/>
+              </a:spcAft>
+              <a:buNone/>
+            </a:pPr>
+            <a:r>
+              <a:t/>
+            </a:r>
+            <a:endParaRPr sz="1800">
+              <a:solidFill>
+                <a:schemeClr val="dk1"/>
+              </a:solidFill>
+              <a:latin typeface="Calibri"/>
+              <a:ea typeface="Calibri"/>
+              <a:cs typeface="Calibri"/>
+              <a:sym typeface="Calibri"/>
+            </a:endParaRPr>
+          </a:p>
+        </p:txBody>
+      </p:sp>
+    </p:spTree>
+  </p:cSld>
+  <p:clrMapOvr>
+    <a:masterClrMapping/>
+  </p:clrMapOvr>
+</p:sld>
+</file>
+
+<file path=ppt/slides/slide4.xml><?xml version="1.0" encoding="utf-8"?>
+<p:sld xmlns:a="http://schemas.openxmlformats.org/drawingml/2006/main" xmlns:r="http://schemas.openxmlformats.org/officeDocument/2006/relationships" xmlns:mc="http://schemas.openxmlformats.org/markup-compatibility/2006" xmlns:mv="urn:schemas-microsoft-com:mac:vml" xmlns:p="http://schemas.openxmlformats.org/presentationml/2006/main" xmlns:c="http://schemas.openxmlformats.org/drawingml/2006/chart" xmlns:dgm="http://schemas.openxmlformats.org/drawingml/2006/diagram" xmlns:o="urn:schemas-microsoft-com:office:office" xmlns:v="urn:schemas-microsoft-com:vml" xmlns:pvml="urn:schemas-microsoft-com:office:powerpoint" xmlns:com="http://schemas.openxmlformats.org/drawingml/2006/compatibility" xmlns:p14="http://schemas.microsoft.com/office/powerpoint/2010/main" xmlns:p15="http://schemas.microsoft.com/office/powerpoint/2012/main" xmlns:ahyp="http://schemas.microsoft.com/office/drawing/2018/hyperlinkcolor">
+  <p:cSld>
+    <p:spTree>
+      <p:nvGrpSpPr>
+        <p:cNvPr id="20" name="Shape 20"/>
+        <p:cNvGrpSpPr/>
+        <p:nvPr/>
+      </p:nvGrpSpPr>
+      <p:grpSpPr>
+        <a:xfrm>
+          <a:off x="0" y="0"/>
+          <a:ext cx="0" cy="0"/>
+          <a:chOff x="0" y="0"/>
+          <a:chExt cx="0" cy="0"/>
+        </a:xfrm>
+      </p:grpSpPr>
+      <p:sp>
+        <p:nvSpPr>
+          <p:cNvPr id="21" name="Google Shape;21;p2"/>
+          <p:cNvSpPr txBox="1"/>
+          <p:nvPr/>
+        </p:nvSpPr>
+        <p:spPr>
+          <a:xfrm>
+            <a:off x="1219196" y="1304533"/>
+            <a:ext cx="9753600" cy="2301000"/>
+          </a:xfrm>
+          <a:prstGeom prst="rect">
+            <a:avLst/>
+          </a:prstGeom>
+          <a:noFill/>
+          <a:ln>
+            <a:noFill/>
+          </a:ln>
+        </p:spPr>
+        <p:txBody>
+          <a:bodyPr anchorCtr="0" anchor="t" bIns="91425" lIns="91425" spcFirstLastPara="1" rIns="91425" wrap="square" tIns="91425">
+            <a:spAutoFit/>
+          </a:bodyPr>
+          <a:lstStyle>
+            <a:defPPr lvl="0" marR="0" rtl="0" algn="l">
+              <a:lnSpc>
+                <a:spcPct val="100000"/>
+              </a:lnSpc>
+              <a:spcBef>
+                <a:spcPts val="0"/>
+              </a:spcBef>
+              <a:spcAft>
+                <a:spcPts val="0"/>
+              </a:spcAft>
+            </a:defPPr>
+            <a:lvl1pPr lvl="0" marR="0" rtl="0" algn="l">
+              <a:lnSpc>
+                <a:spcPct val="100000"/>
+              </a:lnSpc>
+              <a:spcBef>
+                <a:spcPts val="0"/>
+              </a:spcBef>
+              <a:spcAft>
+                <a:spcPts val="0"/>
+              </a:spcAft>
+              <a:buClr>
+                <a:srgbClr val="000000"/>
+              </a:buClr>
+              <a:buFont typeface="Arial"/>
+              <a:defRPr b="0" i="0" sz="1400" u="none" cap="none" strike="noStrike">
+                <a:solidFill>
+                  <a:srgbClr val="000000"/>
+                </a:solidFill>
+                <a:latin typeface="Arial"/>
+                <a:ea typeface="Arial"/>
+                <a:cs typeface="Arial"/>
+                <a:sym typeface="Arial"/>
+              </a:defRPr>
+            </a:lvl1pPr>
+          </a:lstStyle>
+          <a:p>
+            <a:pPr indent="0" lvl="0" marL="0" rtl="0" algn="l">
+              <a:spcBef>
+                <a:spcPts val="0"/>
+              </a:spcBef>
+              <a:spcAft>
+                <a:spcPts val="0"/>
+              </a:spcAft>
+              <a:buNone/>
+            </a:pPr>
+            <a:r>
+              <a:rPr lang="en-US">
+                <a:latin typeface="Calibri"/>
+                <a:ea typeface="Calibri"/>
+                <a:cs typeface="Calibri"/>
+                <a:sym typeface="Calibri"/>
+              </a:rPr>
+              <a:t>Based on our analysis of the data, we can make the following recommendations:</a:t>
+            </a:r>
+            <a:endParaRPr>
+              <a:latin typeface="Calibri"/>
+              <a:ea typeface="Calibri"/>
+              <a:cs typeface="Calibri"/>
+              <a:sym typeface="Calibri"/>
+            </a:endParaRPr>
+          </a:p>
+          <a:p>
+            <a:pPr indent="0" lvl="0" marL="0" rtl="0" algn="l">
+              <a:spcBef>
+                <a:spcPts val="0"/>
+              </a:spcBef>
+              <a:spcAft>
+                <a:spcPts val="0"/>
+              </a:spcAft>
+              <a:buNone/>
+            </a:pPr>
+            <a:r>
+              <a:t/>
+            </a:r>
+            <a:endParaRPr>
+              <a:latin typeface="Calibri"/>
+              <a:ea typeface="Calibri"/>
+              <a:cs typeface="Calibri"/>
+              <a:sym typeface="Calibri"/>
+            </a:endParaRPr>
+          </a:p>
+          <a:p>
+            <a:pPr indent="0" lvl="0" marL="0" rtl="0" algn="l">
+              <a:spcBef>
+                <a:spcPts val="0"/>
+              </a:spcBef>
+              <a:spcAft>
+                <a:spcPts val="0"/>
+              </a:spcAft>
+              <a:buNone/>
+            </a:pPr>
+            <a:r>
+              <a:rPr lang="en-US">
+                <a:latin typeface="Calibri"/>
+                <a:ea typeface="Calibri"/>
+                <a:cs typeface="Calibri"/>
+                <a:sym typeface="Calibri"/>
+              </a:rPr>
+              <a:t>G-risk clients should not be eligible to receive a loan. Only 2% of these clients are able to pay their loans in full.</a:t>
+            </a:r>
+            <a:endParaRPr>
+              <a:latin typeface="Calibri"/>
+              <a:ea typeface="Calibri"/>
+              <a:cs typeface="Calibri"/>
+              <a:sym typeface="Calibri"/>
+            </a:endParaRPr>
+          </a:p>
+          <a:p>
+            <a:pPr indent="0" lvl="0" marL="0" rtl="0" algn="l">
+              <a:spcBef>
+                <a:spcPts val="0"/>
+              </a:spcBef>
+              <a:spcAft>
+                <a:spcPts val="0"/>
+              </a:spcAft>
+              <a:buNone/>
+            </a:pPr>
+            <a:r>
+              <a:t/>
+            </a:r>
+            <a:endParaRPr>
+              <a:latin typeface="Calibri"/>
+              <a:ea typeface="Calibri"/>
+              <a:cs typeface="Calibri"/>
+              <a:sym typeface="Calibri"/>
+            </a:endParaRPr>
+          </a:p>
+          <a:p>
+            <a:pPr indent="0" lvl="0" marL="0" rtl="0" algn="l">
+              <a:spcBef>
+                <a:spcPts val="0"/>
+              </a:spcBef>
+              <a:spcAft>
+                <a:spcPts val="0"/>
+              </a:spcAft>
+              <a:buNone/>
+            </a:pPr>
+            <a:r>
+              <a:rPr lang="en-US">
+                <a:latin typeface="Calibri"/>
+                <a:ea typeface="Calibri"/>
+                <a:cs typeface="Calibri"/>
+                <a:sym typeface="Calibri"/>
+              </a:rPr>
+              <a:t>Clients with their own homes are more likely to guarantee a full repayment of the loan. It is wise to look into this type of case further. Although clients who already have a mortgage on their home have a fairly favorable repayment rate.</a:t>
+            </a:r>
+            <a:endParaRPr>
+              <a:latin typeface="Calibri"/>
+              <a:ea typeface="Calibri"/>
+              <a:cs typeface="Calibri"/>
+              <a:sym typeface="Calibri"/>
+            </a:endParaRPr>
+          </a:p>
+          <a:p>
+            <a:pPr indent="0" lvl="0" marL="0" rtl="0" algn="l">
+              <a:spcBef>
+                <a:spcPts val="0"/>
+              </a:spcBef>
+              <a:spcAft>
+                <a:spcPts val="0"/>
+              </a:spcAft>
+              <a:buNone/>
+            </a:pPr>
+            <a:r>
+              <a:rPr lang="en-US">
+                <a:latin typeface="Calibri"/>
+                <a:ea typeface="Calibri"/>
+                <a:cs typeface="Calibri"/>
+                <a:sym typeface="Calibri"/>
+              </a:rPr>
+              <a:t>Clients who do not declare an adequate level of education are more likely to not be fully paid, and therefore less likely to be charged off. This is a case that needs to be looked at more closely before a loan can be arranged for them.</a:t>
+            </a:r>
+            <a:endParaRPr>
+              <a:latin typeface="Calibri"/>
+              <a:ea typeface="Calibri"/>
+              <a:cs typeface="Calibri"/>
+              <a:sym typeface="Calibri"/>
+            </a:endParaRPr>
+          </a:p>
+          <a:p>
+            <a:pPr indent="0" lvl="0" marL="0" rtl="0" algn="l">
+              <a:spcBef>
+                <a:spcPts val="0"/>
+              </a:spcBef>
+              <a:spcAft>
+                <a:spcPts val="0"/>
+              </a:spcAft>
+              <a:buNone/>
+            </a:pPr>
+            <a:r>
+              <a:t/>
+            </a:r>
+            <a:endParaRPr>
+              <a:latin typeface="Calibri"/>
+              <a:ea typeface="Calibri"/>
+              <a:cs typeface="Calibri"/>
+              <a:sym typeface="Calibri"/>
+            </a:endParaRPr>
+          </a:p>
+          <a:p>
+            <a:pPr indent="0" lvl="0" marL="0" rtl="0" algn="l">
+              <a:spcBef>
+                <a:spcPts val="0"/>
+              </a:spcBef>
+              <a:spcAft>
+                <a:spcPts val="0"/>
+              </a:spcAft>
+              <a:buNone/>
+            </a:pPr>
+            <a:r>
+              <a:rPr lang="en-US">
+                <a:latin typeface="Calibri"/>
+                <a:ea typeface="Calibri"/>
+                <a:cs typeface="Calibri"/>
+                <a:sym typeface="Calibri"/>
+              </a:rPr>
+              <a:t>Translated with www.DeepL.com/Translator (free version)</a:t>
+            </a:r>
+            <a:endParaRPr>
+              <a:latin typeface="Calibri"/>
+              <a:ea typeface="Calibri"/>
+              <a:cs typeface="Calibri"/>
+              <a:sym typeface="Calibri"/>
+            </a:endParaRPr>
+          </a:p>
+        </p:txBody>
+      </p:sp>
+    </p:spTree>
   </p:cSld>
   <p:clrMapOvr>
     <a:masterClrMapping/>
@@ -3677,4 +4985,283 @@
     </a:ext>
   </a:extLst>
 </a:theme>
+</file>
+
+<file path=ppt/theme/theme2.xml><?xml version="1.0" encoding="utf-8"?>
+<a:theme xmlns:a="http://schemas.openxmlformats.org/drawingml/2006/main" xmlns:r="http://schemas.openxmlformats.org/officeDocument/2006/relationships">
+  <a:themeElements>
+    <a:clrScheme name="Default">
+      <a:dk1>
+        <a:srgbClr val="000000"/>
+      </a:dk1>
+      <a:lt1>
+        <a:srgbClr val="FFFFFF"/>
+      </a:lt1>
+      <a:dk2>
+        <a:srgbClr val="158158"/>
+      </a:dk2>
+      <a:lt2>
+        <a:srgbClr val="F3F3F3"/>
+      </a:lt2>
+      <a:accent1>
+        <a:srgbClr val="058DC7"/>
+      </a:accent1>
+      <a:accent2>
+        <a:srgbClr val="50B432"/>
+      </a:accent2>
+      <a:accent3>
+        <a:srgbClr val="ED561B"/>
+      </a:accent3>
+      <a:accent4>
+        <a:srgbClr val="EDEF00"/>
+      </a:accent4>
+      <a:accent5>
+        <a:srgbClr val="24CBE5"/>
+      </a:accent5>
+      <a:accent6>
+        <a:srgbClr val="64E572"/>
+      </a:accent6>
+      <a:hlink>
+        <a:srgbClr val="2200CC"/>
+      </a:hlink>
+      <a:folHlink>
+        <a:srgbClr val="551A8B"/>
+      </a:folHlink>
+    </a:clrScheme>
+    <a:fontScheme name="Office">
+      <a:majorFont>
+        <a:latin typeface="Arial"/>
+        <a:ea typeface=""/>
+        <a:cs typeface=""/>
+        <a:font script="Jpan" typeface="ＭＳ Ｐゴシック"/>
+        <a:font script="Hang" typeface="맑은 고딕"/>
+        <a:font script="Hans" typeface="宋体"/>
+        <a:font script="Hant" typeface="新細明體"/>
+        <a:font script="Arab" typeface="Times New Roman"/>
+        <a:font script="Hebr" typeface="Times New Roman"/>
+        <a:font script="Thai" typeface="Angsana New"/>
+        <a:font script="Ethi" typeface="Nyala"/>
+        <a:font script="Beng" typeface="Vrinda"/>
+        <a:font script="Gujr" typeface="Shruti"/>
+        <a:font script="Khmr" typeface="MoolBoran"/>
+        <a:font script="Knda" typeface="Tunga"/>
+        <a:font script="Guru" typeface="Raavi"/>
+        <a:font script="Cans" typeface="Euphemia"/>
+        <a:font script="Cher" typeface="Plantagenet Cherokee"/>
+        <a:font script="Yiii" typeface="Microsoft Yi Baiti"/>
+        <a:font script="Tibt" typeface="Microsoft Himalaya"/>
+        <a:font script="Thaa" typeface="MV Boli"/>
+        <a:font script="Deva" typeface="Mangal"/>
+        <a:font script="Telu" typeface="Gautami"/>
+        <a:font script="Taml" typeface="Latha"/>
+        <a:font script="Syrc" typeface="Estrangelo Edessa"/>
+        <a:font script="Orya" typeface="Kalinga"/>
+        <a:font script="Mlym" typeface="Kartika"/>
+        <a:font script="Laoo" typeface="DokChampa"/>
+        <a:font script="Sinh" typeface="Iskoola Pota"/>
+        <a:font script="Mong" typeface="Mongolian Baiti"/>
+        <a:font script="Viet" typeface="Times New Roman"/>
+        <a:font script="Uigh" typeface="Microsoft Uighur"/>
+        <a:font script="Geor" typeface="Sylfaen"/>
+      </a:majorFont>
+      <a:minorFont>
+        <a:latin typeface="Arial"/>
+        <a:ea typeface=""/>
+        <a:cs typeface=""/>
+        <a:font script="Jpan" typeface="ＭＳ Ｐゴシック"/>
+        <a:font script="Hang" typeface="맑은 고딕"/>
+        <a:font script="Hans" typeface="宋体"/>
+        <a:font script="Hant" typeface="新細明體"/>
+        <a:font script="Arab" typeface="Arial"/>
+        <a:font script="Hebr" typeface="Arial"/>
+        <a:font script="Thai" typeface="Cordia New"/>
+        <a:font script="Ethi" typeface="Nyala"/>
+        <a:font script="Beng" typeface="Vrinda"/>
+        <a:font script="Gujr" typeface="Shruti"/>
+        <a:font script="Khmr" typeface="DaunPenh"/>
+        <a:font script="Knda" typeface="Tunga"/>
+        <a:font script="Guru" typeface="Raavi"/>
+        <a:font script="Cans" typeface="Euphemia"/>
+        <a:font script="Cher" typeface="Plantagenet Cherokee"/>
+        <a:font script="Yiii" typeface="Microsoft Yi Baiti"/>
+        <a:font script="Tibt" typeface="Microsoft Himalaya"/>
+        <a:font script="Thaa" typeface="MV Boli"/>
+        <a:font script="Deva" typeface="Mangal"/>
+        <a:font script="Telu" typeface="Gautami"/>
+        <a:font script="Taml" typeface="Latha"/>
+        <a:font script="Syrc" typeface="Estrangelo Edessa"/>
+        <a:font script="Orya" typeface="Kalinga"/>
+        <a:font script="Mlym" typeface="Kartika"/>
+        <a:font script="Laoo" typeface="DokChampa"/>
+        <a:font script="Sinh" typeface="Iskoola Pota"/>
+        <a:font script="Mong" typeface="Mongolian Baiti"/>
+        <a:font script="Viet" typeface="Arial"/>
+        <a:font script="Uigh" typeface="Microsoft Uighur"/>
+        <a:font script="Geor" typeface="Sylfaen"/>
+      </a:minorFont>
+    </a:fontScheme>
+    <a:fmtScheme name="Office">
+      <a:fillStyleLst>
+        <a:solidFill>
+          <a:schemeClr val="phClr"/>
+        </a:solidFill>
+        <a:gradFill rotWithShape="1">
+          <a:gsLst>
+            <a:gs pos="0">
+              <a:schemeClr val="phClr">
+                <a:tint val="50000"/>
+                <a:satMod val="300000"/>
+              </a:schemeClr>
+            </a:gs>
+            <a:gs pos="35000">
+              <a:schemeClr val="phClr">
+                <a:tint val="37000"/>
+                <a:satMod val="300000"/>
+              </a:schemeClr>
+            </a:gs>
+            <a:gs pos="100000">
+              <a:schemeClr val="phClr">
+                <a:tint val="15000"/>
+                <a:satMod val="350000"/>
+              </a:schemeClr>
+            </a:gs>
+          </a:gsLst>
+          <a:lin ang="16200000" scaled="1"/>
+        </a:gradFill>
+        <a:gradFill rotWithShape="1">
+          <a:gsLst>
+            <a:gs pos="0">
+              <a:schemeClr val="phClr">
+                <a:tint val="100000"/>
+                <a:shade val="100000"/>
+                <a:satMod val="130000"/>
+              </a:schemeClr>
+            </a:gs>
+            <a:gs pos="100000">
+              <a:schemeClr val="phClr">
+                <a:tint val="50000"/>
+                <a:shade val="100000"/>
+                <a:satMod val="350000"/>
+              </a:schemeClr>
+            </a:gs>
+          </a:gsLst>
+          <a:lin ang="16200000" scaled="0"/>
+        </a:gradFill>
+      </a:fillStyleLst>
+      <a:lnStyleLst>
+        <a:ln w="9525" cap="flat" cmpd="sng" algn="ctr">
+          <a:solidFill>
+            <a:schemeClr val="phClr">
+              <a:shade val="95000"/>
+              <a:satMod val="105000"/>
+            </a:schemeClr>
+          </a:solidFill>
+          <a:prstDash val="solid"/>
+        </a:ln>
+        <a:ln w="25400" cap="flat" cmpd="sng" algn="ctr">
+          <a:solidFill>
+            <a:schemeClr val="phClr"/>
+          </a:solidFill>
+          <a:prstDash val="solid"/>
+        </a:ln>
+        <a:ln w="38100" cap="flat" cmpd="sng" algn="ctr">
+          <a:solidFill>
+            <a:schemeClr val="phClr"/>
+          </a:solidFill>
+          <a:prstDash val="solid"/>
+        </a:ln>
+      </a:lnStyleLst>
+      <a:effectStyleLst>
+        <a:effectStyle>
+          <a:effectLst>
+            <a:outerShdw blurRad="40000" dist="20000" dir="5400000" rotWithShape="0">
+              <a:srgbClr val="000000">
+                <a:alpha val="38000"/>
+              </a:srgbClr>
+            </a:outerShdw>
+          </a:effectLst>
+        </a:effectStyle>
+        <a:effectStyle>
+          <a:effectLst>
+            <a:outerShdw blurRad="40000" dist="23000" dir="5400000" rotWithShape="0">
+              <a:srgbClr val="000000">
+                <a:alpha val="35000"/>
+              </a:srgbClr>
+            </a:outerShdw>
+          </a:effectLst>
+        </a:effectStyle>
+        <a:effectStyle>
+          <a:effectLst>
+            <a:outerShdw blurRad="40000" dist="23000" dir="5400000" rotWithShape="0">
+              <a:srgbClr val="000000">
+                <a:alpha val="35000"/>
+              </a:srgbClr>
+            </a:outerShdw>
+          </a:effectLst>
+          <a:scene3d>
+            <a:camera prst="orthographicFront">
+              <a:rot lat="0" lon="0" rev="0"/>
+            </a:camera>
+            <a:lightRig rig="threePt" dir="t">
+              <a:rot lat="0" lon="0" rev="1200000"/>
+            </a:lightRig>
+          </a:scene3d>
+          <a:sp3d>
+            <a:bevelT w="63500" h="25400"/>
+          </a:sp3d>
+        </a:effectStyle>
+      </a:effectStyleLst>
+      <a:bgFillStyleLst>
+        <a:solidFill>
+          <a:schemeClr val="phClr"/>
+        </a:solidFill>
+        <a:gradFill rotWithShape="1">
+          <a:gsLst>
+            <a:gs pos="0">
+              <a:schemeClr val="phClr">
+                <a:tint val="40000"/>
+                <a:satMod val="350000"/>
+              </a:schemeClr>
+            </a:gs>
+            <a:gs pos="40000">
+              <a:schemeClr val="phClr">
+                <a:tint val="45000"/>
+                <a:shade val="99000"/>
+                <a:satMod val="350000"/>
+              </a:schemeClr>
+            </a:gs>
+            <a:gs pos="100000">
+              <a:schemeClr val="phClr">
+                <a:shade val="20000"/>
+                <a:satMod val="255000"/>
+              </a:schemeClr>
+            </a:gs>
+          </a:gsLst>
+          <a:path path="circle">
+            <a:fillToRect l="50000" t="-80000" r="50000" b="180000"/>
+          </a:path>
+        </a:gradFill>
+        <a:gradFill rotWithShape="1">
+          <a:gsLst>
+            <a:gs pos="0">
+              <a:schemeClr val="phClr">
+                <a:tint val="80000"/>
+                <a:satMod val="300000"/>
+              </a:schemeClr>
+            </a:gs>
+            <a:gs pos="100000">
+              <a:schemeClr val="phClr">
+                <a:shade val="30000"/>
+                <a:satMod val="200000"/>
+              </a:schemeClr>
+            </a:gs>
+          </a:gsLst>
+          <a:path path="circle">
+            <a:fillToRect l="50000" t="50000" r="50000" b="50000"/>
+          </a:path>
+        </a:gradFill>
+      </a:bgFillStyleLst>
+    </a:fmtScheme>
+  </a:themeElements>
+</a:theme>
 </file>